--- a/11.pptx
+++ b/11.pptx
@@ -210,7 +210,7 @@
           <a:p>
             <a:fld id="{AA93C23F-80D8-41F7-A602-5BAA4D96D6F7}" type="datetimeFigureOut">
               <a:rPr lang="ko-KR" altLang="en-US" smtClean="0"/>
-              <a:t>2019-12-21</a:t>
+              <a:t>2025-03-15</a:t>
             </a:fld>
             <a:endParaRPr lang="ko-KR" altLang="en-US"/>
           </a:p>
@@ -869,7 +869,7 @@
           <a:p>
             <a:fld id="{AA93C23F-80D8-41F7-A602-5BAA4D96D6F7}" type="datetimeFigureOut">
               <a:rPr lang="ko-KR" altLang="en-US" smtClean="0"/>
-              <a:t>2019-12-21</a:t>
+              <a:t>2025-03-15</a:t>
             </a:fld>
             <a:endParaRPr lang="ko-KR" altLang="en-US"/>
           </a:p>
@@ -1037,7 +1037,7 @@
           <a:p>
             <a:fld id="{AA93C23F-80D8-41F7-A602-5BAA4D96D6F7}" type="datetimeFigureOut">
               <a:rPr lang="ko-KR" altLang="en-US" smtClean="0"/>
-              <a:t>2019-12-21</a:t>
+              <a:t>2025-03-15</a:t>
             </a:fld>
             <a:endParaRPr lang="ko-KR" altLang="en-US"/>
           </a:p>
@@ -1215,7 +1215,7 @@
           <a:p>
             <a:fld id="{AA93C23F-80D8-41F7-A602-5BAA4D96D6F7}" type="datetimeFigureOut">
               <a:rPr lang="ko-KR" altLang="en-US" smtClean="0"/>
-              <a:t>2019-12-21</a:t>
+              <a:t>2025-03-15</a:t>
             </a:fld>
             <a:endParaRPr lang="ko-KR" altLang="en-US"/>
           </a:p>
@@ -1399,7 +1399,7 @@
           <a:p>
             <a:fld id="{AA93C23F-80D8-41F7-A602-5BAA4D96D6F7}" type="datetimeFigureOut">
               <a:rPr lang="ko-KR" altLang="en-US" smtClean="0"/>
-              <a:t>2019-12-21</a:t>
+              <a:t>2025-03-15</a:t>
             </a:fld>
             <a:endParaRPr lang="ko-KR" altLang="en-US"/>
           </a:p>
@@ -1644,7 +1644,7 @@
           <a:p>
             <a:fld id="{AA93C23F-80D8-41F7-A602-5BAA4D96D6F7}" type="datetimeFigureOut">
               <a:rPr lang="ko-KR" altLang="en-US" smtClean="0"/>
-              <a:t>2019-12-21</a:t>
+              <a:t>2025-03-15</a:t>
             </a:fld>
             <a:endParaRPr lang="ko-KR" altLang="en-US"/>
           </a:p>
@@ -1873,7 +1873,7 @@
           <a:p>
             <a:fld id="{AA93C23F-80D8-41F7-A602-5BAA4D96D6F7}" type="datetimeFigureOut">
               <a:rPr lang="ko-KR" altLang="en-US" smtClean="0"/>
-              <a:t>2019-12-21</a:t>
+              <a:t>2025-03-15</a:t>
             </a:fld>
             <a:endParaRPr lang="ko-KR" altLang="en-US"/>
           </a:p>
@@ -2237,7 +2237,7 @@
           <a:p>
             <a:fld id="{AA93C23F-80D8-41F7-A602-5BAA4D96D6F7}" type="datetimeFigureOut">
               <a:rPr lang="ko-KR" altLang="en-US" smtClean="0"/>
-              <a:t>2019-12-21</a:t>
+              <a:t>2025-03-15</a:t>
             </a:fld>
             <a:endParaRPr lang="ko-KR" altLang="en-US"/>
           </a:p>
@@ -2354,7 +2354,7 @@
           <a:p>
             <a:fld id="{AA93C23F-80D8-41F7-A602-5BAA4D96D6F7}" type="datetimeFigureOut">
               <a:rPr lang="ko-KR" altLang="en-US" smtClean="0"/>
-              <a:t>2019-12-21</a:t>
+              <a:t>2025-03-15</a:t>
             </a:fld>
             <a:endParaRPr lang="ko-KR" altLang="en-US"/>
           </a:p>
@@ -2628,7 +2628,7 @@
                 <a:tabLst/>
                 <a:defRPr/>
               </a:pPr>
-              <a:t>2019-12-21</a:t>
+              <a:t>2025-03-15</a:t>
             </a:fld>
             <a:endParaRPr kumimoji="0" lang="ko-KR" altLang="en-US" sz="1200" b="0" i="0" u="none" strike="noStrike" kern="1200" cap="none" spc="0" normalizeH="0" baseline="0" noProof="0">
               <a:ln>
@@ -2846,7 +2846,7 @@
           <a:p>
             <a:fld id="{AA93C23F-80D8-41F7-A602-5BAA4D96D6F7}" type="datetimeFigureOut">
               <a:rPr lang="ko-KR" altLang="en-US" smtClean="0"/>
-              <a:t>2019-12-21</a:t>
+              <a:t>2025-03-15</a:t>
             </a:fld>
             <a:endParaRPr lang="ko-KR" altLang="en-US"/>
           </a:p>
@@ -3121,7 +3121,7 @@
           <a:p>
             <a:fld id="{AA93C23F-80D8-41F7-A602-5BAA4D96D6F7}" type="datetimeFigureOut">
               <a:rPr lang="ko-KR" altLang="en-US" smtClean="0"/>
-              <a:t>2019-12-21</a:t>
+              <a:t>2025-03-15</a:t>
             </a:fld>
             <a:endParaRPr lang="ko-KR" altLang="en-US"/>
           </a:p>
@@ -3332,7 +3332,7 @@
           <a:p>
             <a:fld id="{AA93C23F-80D8-41F7-A602-5BAA4D96D6F7}" type="datetimeFigureOut">
               <a:rPr lang="ko-KR" altLang="en-US" smtClean="0"/>
-              <a:t>2019-12-21</a:t>
+              <a:t>2025-03-15</a:t>
             </a:fld>
             <a:endParaRPr lang="ko-KR" altLang="en-US"/>
           </a:p>
@@ -5151,6 +5151,50 @@
           </a:p>
         </p:txBody>
       </p:sp>
+      <p:sp>
+        <p:nvSpPr>
+          <p:cNvPr id="8" name="TextBox 7">
+            <a:extLst>
+              <a:ext uri="{FF2B5EF4-FFF2-40B4-BE49-F238E27FC236}">
+                <a16:creationId xmlns:a16="http://schemas.microsoft.com/office/drawing/2014/main" id="{69DDFD16-344B-407C-A44A-863753C50ED6}"/>
+              </a:ext>
+            </a:extLst>
+          </p:cNvPr>
+          <p:cNvSpPr txBox="1"/>
+          <p:nvPr/>
+        </p:nvSpPr>
+        <p:spPr>
+          <a:xfrm>
+            <a:off x="10838576" y="410360"/>
+            <a:ext cx="668773" cy="338554"/>
+          </a:xfrm>
+          <a:prstGeom prst="rect">
+            <a:avLst/>
+          </a:prstGeom>
+          <a:noFill/>
+        </p:spPr>
+        <p:txBody>
+          <a:bodyPr wrap="none" rtlCol="0">
+            <a:spAutoFit/>
+          </a:bodyPr>
+          <a:lstStyle/>
+          <a:p>
+            <a:r>
+              <a:rPr lang="en-US" altLang="ko-KR" sz="1600" b="1" dirty="0">
+                <a:solidFill>
+                  <a:schemeClr val="bg1"/>
+                </a:solidFill>
+              </a:rPr>
+              <a:t>p402</a:t>
+            </a:r>
+            <a:endParaRPr lang="ko-KR" altLang="en-US" sz="1600" b="1" dirty="0">
+              <a:solidFill>
+                <a:schemeClr val="bg1"/>
+              </a:solidFill>
+            </a:endParaRPr>
+          </a:p>
+        </p:txBody>
+      </p:sp>
     </p:spTree>
     <p:extLst>
       <p:ext uri="{BB962C8B-B14F-4D97-AF65-F5344CB8AC3E}">
@@ -5839,6 +5883,50 @@
           </p:txBody>
         </p:sp>
       </p:grpSp>
+      <p:sp>
+        <p:nvSpPr>
+          <p:cNvPr id="12" name="TextBox 11">
+            <a:extLst>
+              <a:ext uri="{FF2B5EF4-FFF2-40B4-BE49-F238E27FC236}">
+                <a16:creationId xmlns:a16="http://schemas.microsoft.com/office/drawing/2014/main" id="{E6C3BB19-213F-4815-971B-A8EBABDF69EC}"/>
+              </a:ext>
+            </a:extLst>
+          </p:cNvPr>
+          <p:cNvSpPr txBox="1"/>
+          <p:nvPr/>
+        </p:nvSpPr>
+        <p:spPr>
+          <a:xfrm>
+            <a:off x="10838576" y="410360"/>
+            <a:ext cx="668773" cy="338554"/>
+          </a:xfrm>
+          <a:prstGeom prst="rect">
+            <a:avLst/>
+          </a:prstGeom>
+          <a:noFill/>
+        </p:spPr>
+        <p:txBody>
+          <a:bodyPr wrap="none" rtlCol="0">
+            <a:spAutoFit/>
+          </a:bodyPr>
+          <a:lstStyle/>
+          <a:p>
+            <a:r>
+              <a:rPr lang="en-US" altLang="ko-KR" sz="1600" b="1" dirty="0">
+                <a:solidFill>
+                  <a:schemeClr val="bg1"/>
+                </a:solidFill>
+              </a:rPr>
+              <a:t>p408</a:t>
+            </a:r>
+            <a:endParaRPr lang="ko-KR" altLang="en-US" sz="1600" b="1" dirty="0">
+              <a:solidFill>
+                <a:schemeClr val="bg1"/>
+              </a:solidFill>
+            </a:endParaRPr>
+          </a:p>
+        </p:txBody>
+      </p:sp>
     </p:spTree>
     <p:extLst>
       <p:ext uri="{BB962C8B-B14F-4D97-AF65-F5344CB8AC3E}">
@@ -5945,6 +6033,50 @@
           </a:prstGeom>
         </p:spPr>
       </p:pic>
+      <p:sp>
+        <p:nvSpPr>
+          <p:cNvPr id="5" name="TextBox 4">
+            <a:extLst>
+              <a:ext uri="{FF2B5EF4-FFF2-40B4-BE49-F238E27FC236}">
+                <a16:creationId xmlns:a16="http://schemas.microsoft.com/office/drawing/2014/main" id="{B23CD025-1BDD-44CF-8353-6FC5E7F7F10C}"/>
+              </a:ext>
+            </a:extLst>
+          </p:cNvPr>
+          <p:cNvSpPr txBox="1"/>
+          <p:nvPr/>
+        </p:nvSpPr>
+        <p:spPr>
+          <a:xfrm>
+            <a:off x="10838576" y="410360"/>
+            <a:ext cx="668773" cy="338554"/>
+          </a:xfrm>
+          <a:prstGeom prst="rect">
+            <a:avLst/>
+          </a:prstGeom>
+          <a:noFill/>
+        </p:spPr>
+        <p:txBody>
+          <a:bodyPr wrap="none" rtlCol="0">
+            <a:spAutoFit/>
+          </a:bodyPr>
+          <a:lstStyle/>
+          <a:p>
+            <a:r>
+              <a:rPr lang="en-US" altLang="ko-KR" sz="1600" b="1" dirty="0">
+                <a:solidFill>
+                  <a:schemeClr val="bg1"/>
+                </a:solidFill>
+              </a:rPr>
+              <a:t>p407</a:t>
+            </a:r>
+            <a:endParaRPr lang="ko-KR" altLang="en-US" sz="1600" b="1" dirty="0">
+              <a:solidFill>
+                <a:schemeClr val="bg1"/>
+              </a:solidFill>
+            </a:endParaRPr>
+          </a:p>
+        </p:txBody>
+      </p:sp>
     </p:spTree>
     <p:extLst>
       <p:ext uri="{BB962C8B-B14F-4D97-AF65-F5344CB8AC3E}">
@@ -6894,6 +7026,50 @@
           </a:prstGeom>
         </p:spPr>
       </p:pic>
+      <p:sp>
+        <p:nvSpPr>
+          <p:cNvPr id="18" name="TextBox 17">
+            <a:extLst>
+              <a:ext uri="{FF2B5EF4-FFF2-40B4-BE49-F238E27FC236}">
+                <a16:creationId xmlns:a16="http://schemas.microsoft.com/office/drawing/2014/main" id="{D8DF8015-E816-4B74-A207-CDE377263634}"/>
+              </a:ext>
+            </a:extLst>
+          </p:cNvPr>
+          <p:cNvSpPr txBox="1"/>
+          <p:nvPr/>
+        </p:nvSpPr>
+        <p:spPr>
+          <a:xfrm>
+            <a:off x="10838576" y="410360"/>
+            <a:ext cx="668773" cy="338554"/>
+          </a:xfrm>
+          <a:prstGeom prst="rect">
+            <a:avLst/>
+          </a:prstGeom>
+          <a:noFill/>
+        </p:spPr>
+        <p:txBody>
+          <a:bodyPr wrap="none" rtlCol="0">
+            <a:spAutoFit/>
+          </a:bodyPr>
+          <a:lstStyle/>
+          <a:p>
+            <a:r>
+              <a:rPr lang="en-US" altLang="ko-KR" sz="1600" b="1" dirty="0">
+                <a:solidFill>
+                  <a:schemeClr val="bg1"/>
+                </a:solidFill>
+              </a:rPr>
+              <a:t>p409</a:t>
+            </a:r>
+            <a:endParaRPr lang="ko-KR" altLang="en-US" sz="1600" b="1" dirty="0">
+              <a:solidFill>
+                <a:schemeClr val="bg1"/>
+              </a:solidFill>
+            </a:endParaRPr>
+          </a:p>
+        </p:txBody>
+      </p:sp>
     </p:spTree>
     <p:extLst>
       <p:ext uri="{BB962C8B-B14F-4D97-AF65-F5344CB8AC3E}">
@@ -7177,6 +7353,50 @@
           </a:p>
         </p:txBody>
       </p:sp>
+      <p:sp>
+        <p:nvSpPr>
+          <p:cNvPr id="11" name="TextBox 10">
+            <a:extLst>
+              <a:ext uri="{FF2B5EF4-FFF2-40B4-BE49-F238E27FC236}">
+                <a16:creationId xmlns:a16="http://schemas.microsoft.com/office/drawing/2014/main" id="{4967340A-5115-4703-B2CD-C6B209C52C84}"/>
+              </a:ext>
+            </a:extLst>
+          </p:cNvPr>
+          <p:cNvSpPr txBox="1"/>
+          <p:nvPr/>
+        </p:nvSpPr>
+        <p:spPr>
+          <a:xfrm>
+            <a:off x="10838576" y="410360"/>
+            <a:ext cx="668773" cy="338554"/>
+          </a:xfrm>
+          <a:prstGeom prst="rect">
+            <a:avLst/>
+          </a:prstGeom>
+          <a:noFill/>
+        </p:spPr>
+        <p:txBody>
+          <a:bodyPr wrap="none" rtlCol="0">
+            <a:spAutoFit/>
+          </a:bodyPr>
+          <a:lstStyle/>
+          <a:p>
+            <a:r>
+              <a:rPr lang="en-US" altLang="ko-KR" sz="1600" b="1" dirty="0">
+                <a:solidFill>
+                  <a:schemeClr val="bg1"/>
+                </a:solidFill>
+              </a:rPr>
+              <a:t>p413</a:t>
+            </a:r>
+            <a:endParaRPr lang="ko-KR" altLang="en-US" sz="1600" b="1" dirty="0">
+              <a:solidFill>
+                <a:schemeClr val="bg1"/>
+              </a:solidFill>
+            </a:endParaRPr>
+          </a:p>
+        </p:txBody>
+      </p:sp>
     </p:spTree>
     <p:extLst>
       <p:ext uri="{BB962C8B-B14F-4D97-AF65-F5344CB8AC3E}">
@@ -7395,6 +7615,40 @@
           </a:prstGeom>
         </p:spPr>
       </p:pic>
+      <p:sp>
+        <p:nvSpPr>
+          <p:cNvPr id="2" name="직사각형 1">
+            <a:extLst>
+              <a:ext uri="{FF2B5EF4-FFF2-40B4-BE49-F238E27FC236}">
+                <a16:creationId xmlns:a16="http://schemas.microsoft.com/office/drawing/2014/main" id="{F57605DC-0D18-48E4-AF6D-438FA4F8B499}"/>
+              </a:ext>
+            </a:extLst>
+          </p:cNvPr>
+          <p:cNvSpPr/>
+          <p:nvPr/>
+        </p:nvSpPr>
+        <p:spPr>
+          <a:xfrm>
+            <a:off x="3186101" y="3244334"/>
+            <a:ext cx="5819798" cy="369332"/>
+          </a:xfrm>
+          <a:prstGeom prst="rect">
+            <a:avLst/>
+          </a:prstGeom>
+        </p:spPr>
+        <p:txBody>
+          <a:bodyPr wrap="none">
+            <a:spAutoFit/>
+          </a:bodyPr>
+          <a:lstStyle/>
+          <a:p>
+            <a:r>
+              <a:rPr lang="ko-KR" altLang="en-US" dirty="0"/>
+              <a:t>https://youtu.be/YxsEaTekpp8?si=Mb88aVP3uorfagQX</a:t>
+            </a:r>
+          </a:p>
+        </p:txBody>
+      </p:sp>
     </p:spTree>
     <p:extLst>
       <p:ext uri="{BB962C8B-B14F-4D97-AF65-F5344CB8AC3E}">
@@ -7639,6 +7893,50 @@
           </a:p>
         </p:txBody>
       </p:sp>
+      <p:sp>
+        <p:nvSpPr>
+          <p:cNvPr id="12" name="TextBox 11">
+            <a:extLst>
+              <a:ext uri="{FF2B5EF4-FFF2-40B4-BE49-F238E27FC236}">
+                <a16:creationId xmlns:a16="http://schemas.microsoft.com/office/drawing/2014/main" id="{3FCBF648-683D-45AA-8025-71011340BEBF}"/>
+              </a:ext>
+            </a:extLst>
+          </p:cNvPr>
+          <p:cNvSpPr txBox="1"/>
+          <p:nvPr/>
+        </p:nvSpPr>
+        <p:spPr>
+          <a:xfrm>
+            <a:off x="10838576" y="410360"/>
+            <a:ext cx="609462" cy="307777"/>
+          </a:xfrm>
+          <a:prstGeom prst="rect">
+            <a:avLst/>
+          </a:prstGeom>
+          <a:noFill/>
+        </p:spPr>
+        <p:txBody>
+          <a:bodyPr wrap="none" rtlCol="0">
+            <a:spAutoFit/>
+          </a:bodyPr>
+          <a:lstStyle/>
+          <a:p>
+            <a:r>
+              <a:rPr lang="en-US" altLang="ko-KR" sz="1400" b="1" dirty="0">
+                <a:solidFill>
+                  <a:schemeClr val="bg1"/>
+                </a:solidFill>
+              </a:rPr>
+              <a:t>p392</a:t>
+            </a:r>
+            <a:endParaRPr lang="ko-KR" altLang="en-US" sz="1400" b="1" dirty="0">
+              <a:solidFill>
+                <a:schemeClr val="bg1"/>
+              </a:solidFill>
+            </a:endParaRPr>
+          </a:p>
+        </p:txBody>
+      </p:sp>
     </p:spTree>
     <p:extLst>
       <p:ext uri="{BB962C8B-B14F-4D97-AF65-F5344CB8AC3E}">
@@ -7911,6 +8209,50 @@
           </a:prstGeom>
         </p:spPr>
       </p:pic>
+      <p:sp>
+        <p:nvSpPr>
+          <p:cNvPr id="7" name="TextBox 6">
+            <a:extLst>
+              <a:ext uri="{FF2B5EF4-FFF2-40B4-BE49-F238E27FC236}">
+                <a16:creationId xmlns:a16="http://schemas.microsoft.com/office/drawing/2014/main" id="{FC01385B-CAEC-482E-BDAB-B28AC56003B0}"/>
+              </a:ext>
+            </a:extLst>
+          </p:cNvPr>
+          <p:cNvSpPr txBox="1"/>
+          <p:nvPr/>
+        </p:nvSpPr>
+        <p:spPr>
+          <a:xfrm>
+            <a:off x="10838576" y="410360"/>
+            <a:ext cx="668773" cy="338554"/>
+          </a:xfrm>
+          <a:prstGeom prst="rect">
+            <a:avLst/>
+          </a:prstGeom>
+          <a:noFill/>
+        </p:spPr>
+        <p:txBody>
+          <a:bodyPr wrap="none" rtlCol="0">
+            <a:spAutoFit/>
+          </a:bodyPr>
+          <a:lstStyle/>
+          <a:p>
+            <a:r>
+              <a:rPr lang="en-US" altLang="ko-KR" sz="1600" b="1" dirty="0">
+                <a:solidFill>
+                  <a:schemeClr val="bg1"/>
+                </a:solidFill>
+              </a:rPr>
+              <a:t>p392</a:t>
+            </a:r>
+            <a:endParaRPr lang="ko-KR" altLang="en-US" sz="1600" b="1" dirty="0">
+              <a:solidFill>
+                <a:schemeClr val="bg1"/>
+              </a:solidFill>
+            </a:endParaRPr>
+          </a:p>
+        </p:txBody>
+      </p:sp>
     </p:spTree>
     <p:extLst>
       <p:ext uri="{BB962C8B-B14F-4D97-AF65-F5344CB8AC3E}">
@@ -8562,6 +8904,50 @@
           </p:txBody>
         </p:sp>
       </p:grpSp>
+      <p:sp>
+        <p:nvSpPr>
+          <p:cNvPr id="10" name="TextBox 9">
+            <a:extLst>
+              <a:ext uri="{FF2B5EF4-FFF2-40B4-BE49-F238E27FC236}">
+                <a16:creationId xmlns:a16="http://schemas.microsoft.com/office/drawing/2014/main" id="{284BB2E4-57A1-4CB2-A98A-AB2A2ED96D7E}"/>
+              </a:ext>
+            </a:extLst>
+          </p:cNvPr>
+          <p:cNvSpPr txBox="1"/>
+          <p:nvPr/>
+        </p:nvSpPr>
+        <p:spPr>
+          <a:xfrm>
+            <a:off x="10838576" y="410360"/>
+            <a:ext cx="668773" cy="338554"/>
+          </a:xfrm>
+          <a:prstGeom prst="rect">
+            <a:avLst/>
+          </a:prstGeom>
+          <a:noFill/>
+        </p:spPr>
+        <p:txBody>
+          <a:bodyPr wrap="none" rtlCol="0">
+            <a:spAutoFit/>
+          </a:bodyPr>
+          <a:lstStyle/>
+          <a:p>
+            <a:r>
+              <a:rPr lang="en-US" altLang="ko-KR" sz="1600" b="1" dirty="0">
+                <a:solidFill>
+                  <a:schemeClr val="bg1"/>
+                </a:solidFill>
+              </a:rPr>
+              <a:t>p395</a:t>
+            </a:r>
+            <a:endParaRPr lang="ko-KR" altLang="en-US" sz="1600" b="1" dirty="0">
+              <a:solidFill>
+                <a:schemeClr val="bg1"/>
+              </a:solidFill>
+            </a:endParaRPr>
+          </a:p>
+        </p:txBody>
+      </p:sp>
     </p:spTree>
     <p:extLst>
       <p:ext uri="{BB962C8B-B14F-4D97-AF65-F5344CB8AC3E}">
@@ -8838,6 +9224,50 @@
               <a:t>게임 등에 많이 사용됨</a:t>
             </a:r>
             <a:endParaRPr lang="en-US" altLang="ko-KR" sz="1400"/>
+          </a:p>
+        </p:txBody>
+      </p:sp>
+      <p:sp>
+        <p:nvSpPr>
+          <p:cNvPr id="5" name="TextBox 4">
+            <a:extLst>
+              <a:ext uri="{FF2B5EF4-FFF2-40B4-BE49-F238E27FC236}">
+                <a16:creationId xmlns:a16="http://schemas.microsoft.com/office/drawing/2014/main" id="{0E694D96-3EEC-43EF-A3A4-5D6D4694F8EA}"/>
+              </a:ext>
+            </a:extLst>
+          </p:cNvPr>
+          <p:cNvSpPr txBox="1"/>
+          <p:nvPr/>
+        </p:nvSpPr>
+        <p:spPr>
+          <a:xfrm>
+            <a:off x="10838576" y="410360"/>
+            <a:ext cx="668773" cy="338554"/>
+          </a:xfrm>
+          <a:prstGeom prst="rect">
+            <a:avLst/>
+          </a:prstGeom>
+          <a:noFill/>
+        </p:spPr>
+        <p:txBody>
+          <a:bodyPr wrap="none" rtlCol="0">
+            <a:spAutoFit/>
+          </a:bodyPr>
+          <a:lstStyle/>
+          <a:p>
+            <a:r>
+              <a:rPr lang="en-US" altLang="ko-KR" sz="1600" b="1" dirty="0">
+                <a:solidFill>
+                  <a:schemeClr val="bg1"/>
+                </a:solidFill>
+              </a:rPr>
+              <a:t>p396</a:t>
+            </a:r>
+            <a:endParaRPr lang="ko-KR" altLang="en-US" sz="1600" b="1" dirty="0">
+              <a:solidFill>
+                <a:schemeClr val="bg1"/>
+              </a:solidFill>
+            </a:endParaRPr>
           </a:p>
         </p:txBody>
       </p:sp>
@@ -9364,6 +9794,50 @@
           </a:p>
         </p:txBody>
       </p:sp>
+      <p:sp>
+        <p:nvSpPr>
+          <p:cNvPr id="14" name="TextBox 13">
+            <a:extLst>
+              <a:ext uri="{FF2B5EF4-FFF2-40B4-BE49-F238E27FC236}">
+                <a16:creationId xmlns:a16="http://schemas.microsoft.com/office/drawing/2014/main" id="{CC3B93A4-F815-4F19-83B5-37203E2C6D66}"/>
+              </a:ext>
+            </a:extLst>
+          </p:cNvPr>
+          <p:cNvSpPr txBox="1"/>
+          <p:nvPr/>
+        </p:nvSpPr>
+        <p:spPr>
+          <a:xfrm>
+            <a:off x="10838576" y="410360"/>
+            <a:ext cx="668773" cy="338554"/>
+          </a:xfrm>
+          <a:prstGeom prst="rect">
+            <a:avLst/>
+          </a:prstGeom>
+          <a:noFill/>
+        </p:spPr>
+        <p:txBody>
+          <a:bodyPr wrap="none" rtlCol="0">
+            <a:spAutoFit/>
+          </a:bodyPr>
+          <a:lstStyle/>
+          <a:p>
+            <a:r>
+              <a:rPr lang="en-US" altLang="ko-KR" sz="1600" b="1" dirty="0">
+                <a:solidFill>
+                  <a:schemeClr val="bg1"/>
+                </a:solidFill>
+              </a:rPr>
+              <a:t>p399</a:t>
+            </a:r>
+            <a:endParaRPr lang="ko-KR" altLang="en-US" sz="1600" b="1" dirty="0">
+              <a:solidFill>
+                <a:schemeClr val="bg1"/>
+              </a:solidFill>
+            </a:endParaRPr>
+          </a:p>
+        </p:txBody>
+      </p:sp>
     </p:spTree>
     <p:extLst>
       <p:ext uri="{BB962C8B-B14F-4D97-AF65-F5344CB8AC3E}">
@@ -9843,6 +10317,50 @@
           </a:prstGeom>
         </p:spPr>
       </p:pic>
+      <p:sp>
+        <p:nvSpPr>
+          <p:cNvPr id="15" name="TextBox 14">
+            <a:extLst>
+              <a:ext uri="{FF2B5EF4-FFF2-40B4-BE49-F238E27FC236}">
+                <a16:creationId xmlns:a16="http://schemas.microsoft.com/office/drawing/2014/main" id="{DC64A75A-6658-4446-84A0-037677617049}"/>
+              </a:ext>
+            </a:extLst>
+          </p:cNvPr>
+          <p:cNvSpPr txBox="1"/>
+          <p:nvPr/>
+        </p:nvSpPr>
+        <p:spPr>
+          <a:xfrm>
+            <a:off x="10838576" y="410360"/>
+            <a:ext cx="668773" cy="338554"/>
+          </a:xfrm>
+          <a:prstGeom prst="rect">
+            <a:avLst/>
+          </a:prstGeom>
+          <a:noFill/>
+        </p:spPr>
+        <p:txBody>
+          <a:bodyPr wrap="none" rtlCol="0">
+            <a:spAutoFit/>
+          </a:bodyPr>
+          <a:lstStyle/>
+          <a:p>
+            <a:r>
+              <a:rPr lang="en-US" altLang="ko-KR" sz="1600" b="1" dirty="0">
+                <a:solidFill>
+                  <a:schemeClr val="bg1"/>
+                </a:solidFill>
+              </a:rPr>
+              <a:t>p400</a:t>
+            </a:r>
+            <a:endParaRPr lang="ko-KR" altLang="en-US" sz="1600" b="1" dirty="0">
+              <a:solidFill>
+                <a:schemeClr val="bg1"/>
+              </a:solidFill>
+            </a:endParaRPr>
+          </a:p>
+        </p:txBody>
+      </p:sp>
     </p:spTree>
     <p:extLst>
       <p:ext uri="{BB962C8B-B14F-4D97-AF65-F5344CB8AC3E}">
@@ -11139,6 +11657,50 @@
               <a:t>&gt;</a:t>
             </a:r>
             <a:endParaRPr lang="ko-KR" altLang="en-US" sz="1200"/>
+          </a:p>
+        </p:txBody>
+      </p:sp>
+      <p:sp>
+        <p:nvSpPr>
+          <p:cNvPr id="13" name="TextBox 12">
+            <a:extLst>
+              <a:ext uri="{FF2B5EF4-FFF2-40B4-BE49-F238E27FC236}">
+                <a16:creationId xmlns:a16="http://schemas.microsoft.com/office/drawing/2014/main" id="{4DB4908B-6A19-46D4-936B-46C35221A2FD}"/>
+              </a:ext>
+            </a:extLst>
+          </p:cNvPr>
+          <p:cNvSpPr txBox="1"/>
+          <p:nvPr/>
+        </p:nvSpPr>
+        <p:spPr>
+          <a:xfrm>
+            <a:off x="10838576" y="410360"/>
+            <a:ext cx="668773" cy="338554"/>
+          </a:xfrm>
+          <a:prstGeom prst="rect">
+            <a:avLst/>
+          </a:prstGeom>
+          <a:noFill/>
+        </p:spPr>
+        <p:txBody>
+          <a:bodyPr wrap="none" rtlCol="0">
+            <a:spAutoFit/>
+          </a:bodyPr>
+          <a:lstStyle/>
+          <a:p>
+            <a:r>
+              <a:rPr lang="en-US" altLang="ko-KR" sz="1600" b="1" dirty="0">
+                <a:solidFill>
+                  <a:schemeClr val="bg1"/>
+                </a:solidFill>
+              </a:rPr>
+              <a:t>p401</a:t>
+            </a:r>
+            <a:endParaRPr lang="ko-KR" altLang="en-US" sz="1600" b="1" dirty="0">
+              <a:solidFill>
+                <a:schemeClr val="bg1"/>
+              </a:solidFill>
+            </a:endParaRPr>
           </a:p>
         </p:txBody>
       </p:sp>
